--- a/bishe/开题答辩 PPT.pptx
+++ b/bishe/开题答辩 PPT.pptx
@@ -9647,11 +9647,11 @@
   <p:clrMapOvr>
     <a:masterClrMapping/>
   </p:clrMapOvr>
-  <mc:AlternateContent xmlns:mc="http://schemas.openxmlformats.org/markup-compatibility/2006">
-    <mc:Choice xmlns:p14="http://schemas.microsoft.com/office/powerpoint/2010/main" Requires="p14">
+  <mc:AlternateContent xmlns:mc="http://schemas.openxmlformats.org/markup-compatibility/2006" xmlns:p14="http://schemas.microsoft.com/office/powerpoint/2010/main">
+    <mc:Choice Requires="p14">
       <p:transition p14:dur="10"/>
     </mc:Choice>
-    <mc:Fallback>
+    <mc:Fallback xmlns="">
       <p:transition/>
     </mc:Fallback>
   </mc:AlternateContent>
@@ -12333,7 +12333,31 @@
               <a:rPr lang="zh-CN" altLang="zh-CN" sz="2000" dirty="0">
                 <a:latin typeface="+mn-ea"/>
               </a:rPr>
-              <a:t>单片机为主控模块的温湿度及有害气体监测系统。拟定设计一款性能稳定、采集数据准确、且价格低廉的温湿度及有害气体的监测系统，能实现解决实验室中关于温湿度及有害气体信息采集的范围局限性和灵活性的问题。</a:t>
+              <a:t>单片机为主控模块的温湿度及有害气体监测系统。拟定设计一款性能稳定、采集数据准确、且价格低廉的温湿度及有害气体的监测系统，能实现解决实验室中关于温湿度及有害气体信息采集的范围局限性</a:t>
+            </a:r>
+            <a:r>
+              <a:rPr lang="zh-CN" altLang="zh-CN" sz="2000">
+                <a:latin typeface="+mn-ea"/>
+              </a:rPr>
+              <a:t>和灵活性</a:t>
+            </a:r>
+            <a:r>
+              <a:rPr lang="zh-CN" altLang="en-US" sz="2000">
+                <a:latin typeface="+mn-ea"/>
+              </a:rPr>
+              <a:t>不足</a:t>
+            </a:r>
+            <a:r>
+              <a:rPr lang="zh-CN" altLang="zh-CN" sz="2000">
+                <a:latin typeface="+mn-ea"/>
+              </a:rPr>
+              <a:t>的</a:t>
+            </a:r>
+            <a:r>
+              <a:rPr lang="zh-CN" altLang="zh-CN" sz="2000" dirty="0">
+                <a:latin typeface="+mn-ea"/>
+              </a:rPr>
+              <a:t>问题。</a:t>
             </a:r>
           </a:p>
           <a:p>
